--- a/Pogorelova_converter.pptx
+++ b/Pogorelova_converter.pptx
@@ -5,7 +5,7 @@
     <p:sldMasterId id="2147483676" r:id="rId1"/>
   </p:sldMasterIdLst>
   <p:notesMasterIdLst>
-    <p:notesMasterId r:id="rId11"/>
+    <p:notesMasterId r:id="rId16"/>
   </p:notesMasterIdLst>
   <p:sldIdLst>
     <p:sldId id="256" r:id="rId2"/>
@@ -17,20 +17,25 @@
     <p:sldId id="310" r:id="rId8"/>
     <p:sldId id="311" r:id="rId9"/>
     <p:sldId id="313" r:id="rId10"/>
+    <p:sldId id="314" r:id="rId11"/>
+    <p:sldId id="315" r:id="rId12"/>
+    <p:sldId id="316" r:id="rId13"/>
+    <p:sldId id="317" r:id="rId14"/>
+    <p:sldId id="318" r:id="rId15"/>
   </p:sldIdLst>
   <p:sldSz cx="9144000" cy="5143500" type="screen16x9"/>
   <p:notesSz cx="6858000" cy="9144000"/>
   <p:embeddedFontLst>
     <p:embeddedFont>
       <p:font typeface="Dela Gothic One" panose="020B0604020202020204" charset="-128"/>
-      <p:regular r:id="rId12"/>
+      <p:regular r:id="rId17"/>
     </p:embeddedFont>
     <p:embeddedFont>
       <p:font typeface="Roboto" panose="020B0604020202020204" charset="0"/>
-      <p:regular r:id="rId13"/>
-      <p:bold r:id="rId14"/>
-      <p:italic r:id="rId15"/>
-      <p:boldItalic r:id="rId16"/>
+      <p:regular r:id="rId18"/>
+      <p:bold r:id="rId19"/>
+      <p:italic r:id="rId20"/>
+      <p:boldItalic r:id="rId21"/>
     </p:embeddedFont>
   </p:embeddedFontLst>
   <p:defaultTextStyle>
@@ -262,7 +267,38 @@
       </a:defRPr>
     </a:lvl9pPr>
   </p:defaultTextStyle>
+  <p:extLst>
+    <p:ext uri="{EFAFB233-063F-42B5-8137-9DF3F51BA10A}">
+      <p15:sldGuideLst xmlns:p15="http://schemas.microsoft.com/office/powerpoint/2012/main"/>
+    </p:ext>
+  </p:extLst>
 </p:presentation>
+</file>
+
+<file path=ppt/commentAuthors.xml><?xml version="1.0" encoding="utf-8"?>
+<p:cmAuthorLst xmlns:a="http://schemas.openxmlformats.org/drawingml/2006/main" xmlns:r="http://schemas.openxmlformats.org/officeDocument/2006/relationships" xmlns:p="http://schemas.openxmlformats.org/presentationml/2006/main">
+  <p:cmAuthor id="1" name="User1" initials="U" lastIdx="1" clrIdx="0">
+    <p:extLst>
+      <p:ext uri="{19B8F6BF-5375-455C-9EA6-DF929625EA0E}">
+        <p15:presenceInfo xmlns:p15="http://schemas.microsoft.com/office/powerpoint/2012/main" userId="User1" providerId="None"/>
+      </p:ext>
+    </p:extLst>
+  </p:cmAuthor>
+</p:cmAuthorLst>
+</file>
+
+<file path=ppt/comments/comment1.xml><?xml version="1.0" encoding="utf-8"?>
+<p:cmLst xmlns:a="http://schemas.openxmlformats.org/drawingml/2006/main" xmlns:r="http://schemas.openxmlformats.org/officeDocument/2006/relationships" xmlns:p="http://schemas.openxmlformats.org/presentationml/2006/main">
+  <p:cm authorId="1" dt="2025-06-11T13:17:40.751" idx="1">
+    <p:pos x="10" y="10"/>
+    <p:text/>
+    <p:extLst>
+      <p:ext uri="{C676402C-5697-4E1C-873F-D02D1690AC5C}">
+        <p15:threadingInfo xmlns:p15="http://schemas.microsoft.com/office/powerpoint/2012/main" timeZoneBias="-180"/>
+      </p:ext>
+    </p:extLst>
+  </p:cm>
+</p:cmLst>
 </file>
 
 <file path=ppt/notesMasters/notesMaster1.xml><?xml version="1.0" encoding="utf-8"?>
@@ -803,6 +839,551 @@
         </p:txBody>
       </p:sp>
     </p:spTree>
+  </p:cSld>
+  <p:clrMapOvr>
+    <a:masterClrMapping/>
+  </p:clrMapOvr>
+</p:notes>
+</file>
+
+<file path=ppt/notesSlides/notesSlide10.xml><?xml version="1.0" encoding="utf-8"?>
+<p:notes xmlns:a="http://schemas.openxmlformats.org/drawingml/2006/main" xmlns:r="http://schemas.openxmlformats.org/officeDocument/2006/relationships" xmlns:p="http://schemas.openxmlformats.org/presentationml/2006/main" showMasterSp="0" showMasterPhAnim="0">
+  <p:cSld>
+    <p:spTree>
+      <p:nvGrpSpPr>
+        <p:cNvPr id="1" name="Shape 365"/>
+        <p:cNvGrpSpPr/>
+        <p:nvPr/>
+      </p:nvGrpSpPr>
+      <p:grpSpPr>
+        <a:xfrm>
+          <a:off x="0" y="0"/>
+          <a:ext cx="0" cy="0"/>
+          <a:chOff x="0" y="0"/>
+          <a:chExt cx="0" cy="0"/>
+        </a:xfrm>
+      </p:grpSpPr>
+      <p:sp>
+        <p:nvSpPr>
+          <p:cNvPr id="366" name="Google Shape;366;g146cf1f3d42_1_1451:notes"/>
+          <p:cNvSpPr>
+            <a:spLocks noGrp="1" noRot="1" noChangeAspect="1"/>
+          </p:cNvSpPr>
+          <p:nvPr>
+            <p:ph type="sldImg" idx="2"/>
+          </p:nvPr>
+        </p:nvSpPr>
+        <p:spPr>
+          <a:xfrm>
+            <a:off x="381000" y="685800"/>
+            <a:ext cx="6096000" cy="3429000"/>
+          </a:xfrm>
+          <a:custGeom>
+            <a:avLst/>
+            <a:gdLst/>
+            <a:ahLst/>
+            <a:cxnLst/>
+            <a:rect l="l" t="t" r="r" b="b"/>
+            <a:pathLst>
+              <a:path w="120000" h="120000" extrusionOk="0">
+                <a:moveTo>
+                  <a:pt x="0" y="0"/>
+                </a:moveTo>
+                <a:lnTo>
+                  <a:pt x="120000" y="0"/>
+                </a:lnTo>
+                <a:lnTo>
+                  <a:pt x="120000" y="120000"/>
+                </a:lnTo>
+                <a:lnTo>
+                  <a:pt x="0" y="120000"/>
+                </a:lnTo>
+                <a:close/>
+              </a:path>
+            </a:pathLst>
+          </a:custGeom>
+        </p:spPr>
+      </p:sp>
+      <p:sp>
+        <p:nvSpPr>
+          <p:cNvPr id="367" name="Google Shape;367;g146cf1f3d42_1_1451:notes"/>
+          <p:cNvSpPr txBox="1">
+            <a:spLocks noGrp="1"/>
+          </p:cNvSpPr>
+          <p:nvPr>
+            <p:ph type="body" idx="1"/>
+          </p:nvPr>
+        </p:nvSpPr>
+        <p:spPr>
+          <a:xfrm>
+            <a:off x="685800" y="4343400"/>
+            <a:ext cx="5486400" cy="4114800"/>
+          </a:xfrm>
+          <a:prstGeom prst="rect">
+            <a:avLst/>
+          </a:prstGeom>
+        </p:spPr>
+        <p:txBody>
+          <a:bodyPr spcFirstLastPara="1" wrap="square" lIns="91425" tIns="91425" rIns="91425" bIns="91425" anchor="t" anchorCtr="0">
+            <a:noAutofit/>
+          </a:bodyPr>
+          <a:lstStyle/>
+          <a:p>
+            <a:pPr marL="0" lvl="0" indent="0" algn="l" rtl="0">
+              <a:spcBef>
+                <a:spcPts val="0"/>
+              </a:spcBef>
+              <a:spcAft>
+                <a:spcPts val="0"/>
+              </a:spcAft>
+              <a:buNone/>
+            </a:pPr>
+            <a:endParaRPr/>
+          </a:p>
+        </p:txBody>
+      </p:sp>
+    </p:spTree>
+    <p:extLst>
+      <p:ext uri="{BB962C8B-B14F-4D97-AF65-F5344CB8AC3E}">
+        <p14:creationId xmlns:p14="http://schemas.microsoft.com/office/powerpoint/2010/main" val="4218031508"/>
+      </p:ext>
+    </p:extLst>
+  </p:cSld>
+  <p:clrMapOvr>
+    <a:masterClrMapping/>
+  </p:clrMapOvr>
+</p:notes>
+</file>
+
+<file path=ppt/notesSlides/notesSlide11.xml><?xml version="1.0" encoding="utf-8"?>
+<p:notes xmlns:a="http://schemas.openxmlformats.org/drawingml/2006/main" xmlns:r="http://schemas.openxmlformats.org/officeDocument/2006/relationships" xmlns:p="http://schemas.openxmlformats.org/presentationml/2006/main" showMasterSp="0" showMasterPhAnim="0">
+  <p:cSld>
+    <p:spTree>
+      <p:nvGrpSpPr>
+        <p:cNvPr id="1" name="Shape 365"/>
+        <p:cNvGrpSpPr/>
+        <p:nvPr/>
+      </p:nvGrpSpPr>
+      <p:grpSpPr>
+        <a:xfrm>
+          <a:off x="0" y="0"/>
+          <a:ext cx="0" cy="0"/>
+          <a:chOff x="0" y="0"/>
+          <a:chExt cx="0" cy="0"/>
+        </a:xfrm>
+      </p:grpSpPr>
+      <p:sp>
+        <p:nvSpPr>
+          <p:cNvPr id="366" name="Google Shape;366;g146cf1f3d42_1_1451:notes"/>
+          <p:cNvSpPr>
+            <a:spLocks noGrp="1" noRot="1" noChangeAspect="1"/>
+          </p:cNvSpPr>
+          <p:nvPr>
+            <p:ph type="sldImg" idx="2"/>
+          </p:nvPr>
+        </p:nvSpPr>
+        <p:spPr>
+          <a:xfrm>
+            <a:off x="381000" y="685800"/>
+            <a:ext cx="6096000" cy="3429000"/>
+          </a:xfrm>
+          <a:custGeom>
+            <a:avLst/>
+            <a:gdLst/>
+            <a:ahLst/>
+            <a:cxnLst/>
+            <a:rect l="l" t="t" r="r" b="b"/>
+            <a:pathLst>
+              <a:path w="120000" h="120000" extrusionOk="0">
+                <a:moveTo>
+                  <a:pt x="0" y="0"/>
+                </a:moveTo>
+                <a:lnTo>
+                  <a:pt x="120000" y="0"/>
+                </a:lnTo>
+                <a:lnTo>
+                  <a:pt x="120000" y="120000"/>
+                </a:lnTo>
+                <a:lnTo>
+                  <a:pt x="0" y="120000"/>
+                </a:lnTo>
+                <a:close/>
+              </a:path>
+            </a:pathLst>
+          </a:custGeom>
+        </p:spPr>
+      </p:sp>
+      <p:sp>
+        <p:nvSpPr>
+          <p:cNvPr id="367" name="Google Shape;367;g146cf1f3d42_1_1451:notes"/>
+          <p:cNvSpPr txBox="1">
+            <a:spLocks noGrp="1"/>
+          </p:cNvSpPr>
+          <p:nvPr>
+            <p:ph type="body" idx="1"/>
+          </p:nvPr>
+        </p:nvSpPr>
+        <p:spPr>
+          <a:xfrm>
+            <a:off x="685800" y="4343400"/>
+            <a:ext cx="5486400" cy="4114800"/>
+          </a:xfrm>
+          <a:prstGeom prst="rect">
+            <a:avLst/>
+          </a:prstGeom>
+        </p:spPr>
+        <p:txBody>
+          <a:bodyPr spcFirstLastPara="1" wrap="square" lIns="91425" tIns="91425" rIns="91425" bIns="91425" anchor="t" anchorCtr="0">
+            <a:noAutofit/>
+          </a:bodyPr>
+          <a:lstStyle/>
+          <a:p>
+            <a:pPr marL="0" lvl="0" indent="0" algn="l" rtl="0">
+              <a:spcBef>
+                <a:spcPts val="0"/>
+              </a:spcBef>
+              <a:spcAft>
+                <a:spcPts val="0"/>
+              </a:spcAft>
+              <a:buNone/>
+            </a:pPr>
+            <a:endParaRPr/>
+          </a:p>
+        </p:txBody>
+      </p:sp>
+    </p:spTree>
+    <p:extLst>
+      <p:ext uri="{BB962C8B-B14F-4D97-AF65-F5344CB8AC3E}">
+        <p14:creationId xmlns:p14="http://schemas.microsoft.com/office/powerpoint/2010/main" val="3700297933"/>
+      </p:ext>
+    </p:extLst>
+  </p:cSld>
+  <p:clrMapOvr>
+    <a:masterClrMapping/>
+  </p:clrMapOvr>
+</p:notes>
+</file>
+
+<file path=ppt/notesSlides/notesSlide12.xml><?xml version="1.0" encoding="utf-8"?>
+<p:notes xmlns:a="http://schemas.openxmlformats.org/drawingml/2006/main" xmlns:r="http://schemas.openxmlformats.org/officeDocument/2006/relationships" xmlns:p="http://schemas.openxmlformats.org/presentationml/2006/main" showMasterSp="0" showMasterPhAnim="0">
+  <p:cSld>
+    <p:spTree>
+      <p:nvGrpSpPr>
+        <p:cNvPr id="1" name="Shape 365"/>
+        <p:cNvGrpSpPr/>
+        <p:nvPr/>
+      </p:nvGrpSpPr>
+      <p:grpSpPr>
+        <a:xfrm>
+          <a:off x="0" y="0"/>
+          <a:ext cx="0" cy="0"/>
+          <a:chOff x="0" y="0"/>
+          <a:chExt cx="0" cy="0"/>
+        </a:xfrm>
+      </p:grpSpPr>
+      <p:sp>
+        <p:nvSpPr>
+          <p:cNvPr id="366" name="Google Shape;366;g146cf1f3d42_1_1451:notes"/>
+          <p:cNvSpPr>
+            <a:spLocks noGrp="1" noRot="1" noChangeAspect="1"/>
+          </p:cNvSpPr>
+          <p:nvPr>
+            <p:ph type="sldImg" idx="2"/>
+          </p:nvPr>
+        </p:nvSpPr>
+        <p:spPr>
+          <a:xfrm>
+            <a:off x="381000" y="685800"/>
+            <a:ext cx="6096000" cy="3429000"/>
+          </a:xfrm>
+          <a:custGeom>
+            <a:avLst/>
+            <a:gdLst/>
+            <a:ahLst/>
+            <a:cxnLst/>
+            <a:rect l="l" t="t" r="r" b="b"/>
+            <a:pathLst>
+              <a:path w="120000" h="120000" extrusionOk="0">
+                <a:moveTo>
+                  <a:pt x="0" y="0"/>
+                </a:moveTo>
+                <a:lnTo>
+                  <a:pt x="120000" y="0"/>
+                </a:lnTo>
+                <a:lnTo>
+                  <a:pt x="120000" y="120000"/>
+                </a:lnTo>
+                <a:lnTo>
+                  <a:pt x="0" y="120000"/>
+                </a:lnTo>
+                <a:close/>
+              </a:path>
+            </a:pathLst>
+          </a:custGeom>
+        </p:spPr>
+      </p:sp>
+      <p:sp>
+        <p:nvSpPr>
+          <p:cNvPr id="367" name="Google Shape;367;g146cf1f3d42_1_1451:notes"/>
+          <p:cNvSpPr txBox="1">
+            <a:spLocks noGrp="1"/>
+          </p:cNvSpPr>
+          <p:nvPr>
+            <p:ph type="body" idx="1"/>
+          </p:nvPr>
+        </p:nvSpPr>
+        <p:spPr>
+          <a:xfrm>
+            <a:off x="685800" y="4343400"/>
+            <a:ext cx="5486400" cy="4114800"/>
+          </a:xfrm>
+          <a:prstGeom prst="rect">
+            <a:avLst/>
+          </a:prstGeom>
+        </p:spPr>
+        <p:txBody>
+          <a:bodyPr spcFirstLastPara="1" wrap="square" lIns="91425" tIns="91425" rIns="91425" bIns="91425" anchor="t" anchorCtr="0">
+            <a:noAutofit/>
+          </a:bodyPr>
+          <a:lstStyle/>
+          <a:p>
+            <a:pPr marL="0" lvl="0" indent="0" algn="l" rtl="0">
+              <a:spcBef>
+                <a:spcPts val="0"/>
+              </a:spcBef>
+              <a:spcAft>
+                <a:spcPts val="0"/>
+              </a:spcAft>
+              <a:buNone/>
+            </a:pPr>
+            <a:endParaRPr/>
+          </a:p>
+        </p:txBody>
+      </p:sp>
+    </p:spTree>
+    <p:extLst>
+      <p:ext uri="{BB962C8B-B14F-4D97-AF65-F5344CB8AC3E}">
+        <p14:creationId xmlns:p14="http://schemas.microsoft.com/office/powerpoint/2010/main" val="3296229697"/>
+      </p:ext>
+    </p:extLst>
+  </p:cSld>
+  <p:clrMapOvr>
+    <a:masterClrMapping/>
+  </p:clrMapOvr>
+</p:notes>
+</file>
+
+<file path=ppt/notesSlides/notesSlide13.xml><?xml version="1.0" encoding="utf-8"?>
+<p:notes xmlns:a="http://schemas.openxmlformats.org/drawingml/2006/main" xmlns:r="http://schemas.openxmlformats.org/officeDocument/2006/relationships" xmlns:p="http://schemas.openxmlformats.org/presentationml/2006/main" showMasterSp="0" showMasterPhAnim="0">
+  <p:cSld>
+    <p:spTree>
+      <p:nvGrpSpPr>
+        <p:cNvPr id="1" name="Shape 365"/>
+        <p:cNvGrpSpPr/>
+        <p:nvPr/>
+      </p:nvGrpSpPr>
+      <p:grpSpPr>
+        <a:xfrm>
+          <a:off x="0" y="0"/>
+          <a:ext cx="0" cy="0"/>
+          <a:chOff x="0" y="0"/>
+          <a:chExt cx="0" cy="0"/>
+        </a:xfrm>
+      </p:grpSpPr>
+      <p:sp>
+        <p:nvSpPr>
+          <p:cNvPr id="366" name="Google Shape;366;g146cf1f3d42_1_1451:notes"/>
+          <p:cNvSpPr>
+            <a:spLocks noGrp="1" noRot="1" noChangeAspect="1"/>
+          </p:cNvSpPr>
+          <p:nvPr>
+            <p:ph type="sldImg" idx="2"/>
+          </p:nvPr>
+        </p:nvSpPr>
+        <p:spPr>
+          <a:xfrm>
+            <a:off x="381000" y="685800"/>
+            <a:ext cx="6096000" cy="3429000"/>
+          </a:xfrm>
+          <a:custGeom>
+            <a:avLst/>
+            <a:gdLst/>
+            <a:ahLst/>
+            <a:cxnLst/>
+            <a:rect l="l" t="t" r="r" b="b"/>
+            <a:pathLst>
+              <a:path w="120000" h="120000" extrusionOk="0">
+                <a:moveTo>
+                  <a:pt x="0" y="0"/>
+                </a:moveTo>
+                <a:lnTo>
+                  <a:pt x="120000" y="0"/>
+                </a:lnTo>
+                <a:lnTo>
+                  <a:pt x="120000" y="120000"/>
+                </a:lnTo>
+                <a:lnTo>
+                  <a:pt x="0" y="120000"/>
+                </a:lnTo>
+                <a:close/>
+              </a:path>
+            </a:pathLst>
+          </a:custGeom>
+        </p:spPr>
+      </p:sp>
+      <p:sp>
+        <p:nvSpPr>
+          <p:cNvPr id="367" name="Google Shape;367;g146cf1f3d42_1_1451:notes"/>
+          <p:cNvSpPr txBox="1">
+            <a:spLocks noGrp="1"/>
+          </p:cNvSpPr>
+          <p:nvPr>
+            <p:ph type="body" idx="1"/>
+          </p:nvPr>
+        </p:nvSpPr>
+        <p:spPr>
+          <a:xfrm>
+            <a:off x="685800" y="4343400"/>
+            <a:ext cx="5486400" cy="4114800"/>
+          </a:xfrm>
+          <a:prstGeom prst="rect">
+            <a:avLst/>
+          </a:prstGeom>
+        </p:spPr>
+        <p:txBody>
+          <a:bodyPr spcFirstLastPara="1" wrap="square" lIns="91425" tIns="91425" rIns="91425" bIns="91425" anchor="t" anchorCtr="0">
+            <a:noAutofit/>
+          </a:bodyPr>
+          <a:lstStyle/>
+          <a:p>
+            <a:pPr marL="0" lvl="0" indent="0" algn="l" rtl="0">
+              <a:spcBef>
+                <a:spcPts val="0"/>
+              </a:spcBef>
+              <a:spcAft>
+                <a:spcPts val="0"/>
+              </a:spcAft>
+              <a:buNone/>
+            </a:pPr>
+            <a:endParaRPr/>
+          </a:p>
+        </p:txBody>
+      </p:sp>
+    </p:spTree>
+    <p:extLst>
+      <p:ext uri="{BB962C8B-B14F-4D97-AF65-F5344CB8AC3E}">
+        <p14:creationId xmlns:p14="http://schemas.microsoft.com/office/powerpoint/2010/main" val="158533701"/>
+      </p:ext>
+    </p:extLst>
+  </p:cSld>
+  <p:clrMapOvr>
+    <a:masterClrMapping/>
+  </p:clrMapOvr>
+</p:notes>
+</file>
+
+<file path=ppt/notesSlides/notesSlide14.xml><?xml version="1.0" encoding="utf-8"?>
+<p:notes xmlns:a="http://schemas.openxmlformats.org/drawingml/2006/main" xmlns:r="http://schemas.openxmlformats.org/officeDocument/2006/relationships" xmlns:p="http://schemas.openxmlformats.org/presentationml/2006/main" showMasterSp="0" showMasterPhAnim="0">
+  <p:cSld>
+    <p:spTree>
+      <p:nvGrpSpPr>
+        <p:cNvPr id="1" name="Shape 365"/>
+        <p:cNvGrpSpPr/>
+        <p:nvPr/>
+      </p:nvGrpSpPr>
+      <p:grpSpPr>
+        <a:xfrm>
+          <a:off x="0" y="0"/>
+          <a:ext cx="0" cy="0"/>
+          <a:chOff x="0" y="0"/>
+          <a:chExt cx="0" cy="0"/>
+        </a:xfrm>
+      </p:grpSpPr>
+      <p:sp>
+        <p:nvSpPr>
+          <p:cNvPr id="366" name="Google Shape;366;g146cf1f3d42_1_1451:notes"/>
+          <p:cNvSpPr>
+            <a:spLocks noGrp="1" noRot="1" noChangeAspect="1"/>
+          </p:cNvSpPr>
+          <p:nvPr>
+            <p:ph type="sldImg" idx="2"/>
+          </p:nvPr>
+        </p:nvSpPr>
+        <p:spPr>
+          <a:xfrm>
+            <a:off x="381000" y="685800"/>
+            <a:ext cx="6096000" cy="3429000"/>
+          </a:xfrm>
+          <a:custGeom>
+            <a:avLst/>
+            <a:gdLst/>
+            <a:ahLst/>
+            <a:cxnLst/>
+            <a:rect l="l" t="t" r="r" b="b"/>
+            <a:pathLst>
+              <a:path w="120000" h="120000" extrusionOk="0">
+                <a:moveTo>
+                  <a:pt x="0" y="0"/>
+                </a:moveTo>
+                <a:lnTo>
+                  <a:pt x="120000" y="0"/>
+                </a:lnTo>
+                <a:lnTo>
+                  <a:pt x="120000" y="120000"/>
+                </a:lnTo>
+                <a:lnTo>
+                  <a:pt x="0" y="120000"/>
+                </a:lnTo>
+                <a:close/>
+              </a:path>
+            </a:pathLst>
+          </a:custGeom>
+        </p:spPr>
+      </p:sp>
+      <p:sp>
+        <p:nvSpPr>
+          <p:cNvPr id="367" name="Google Shape;367;g146cf1f3d42_1_1451:notes"/>
+          <p:cNvSpPr txBox="1">
+            <a:spLocks noGrp="1"/>
+          </p:cNvSpPr>
+          <p:nvPr>
+            <p:ph type="body" idx="1"/>
+          </p:nvPr>
+        </p:nvSpPr>
+        <p:spPr>
+          <a:xfrm>
+            <a:off x="685800" y="4343400"/>
+            <a:ext cx="5486400" cy="4114800"/>
+          </a:xfrm>
+          <a:prstGeom prst="rect">
+            <a:avLst/>
+          </a:prstGeom>
+        </p:spPr>
+        <p:txBody>
+          <a:bodyPr spcFirstLastPara="1" wrap="square" lIns="91425" tIns="91425" rIns="91425" bIns="91425" anchor="t" anchorCtr="0">
+            <a:noAutofit/>
+          </a:bodyPr>
+          <a:lstStyle/>
+          <a:p>
+            <a:pPr marL="0" lvl="0" indent="0" algn="l" rtl="0">
+              <a:spcBef>
+                <a:spcPts val="0"/>
+              </a:spcBef>
+              <a:spcAft>
+                <a:spcPts val="0"/>
+              </a:spcAft>
+              <a:buNone/>
+            </a:pPr>
+            <a:endParaRPr/>
+          </a:p>
+        </p:txBody>
+      </p:sp>
+    </p:spTree>
+    <p:extLst>
+      <p:ext uri="{BB962C8B-B14F-4D97-AF65-F5344CB8AC3E}">
+        <p14:creationId xmlns:p14="http://schemas.microsoft.com/office/powerpoint/2010/main" val="4266061632"/>
+      </p:ext>
+    </p:extLst>
   </p:cSld>
   <p:clrMapOvr>
     <a:masterClrMapping/>
@@ -5846,6 +6427,873 @@
 </p:sld>
 </file>
 
+<file path=ppt/slides/slide10.xml><?xml version="1.0" encoding="utf-8"?>
+<p:sld xmlns:a="http://schemas.openxmlformats.org/drawingml/2006/main" xmlns:r="http://schemas.openxmlformats.org/officeDocument/2006/relationships" xmlns:p="http://schemas.openxmlformats.org/presentationml/2006/main">
+  <p:cSld>
+    <p:spTree>
+      <p:nvGrpSpPr>
+        <p:cNvPr id="1" name="Shape 368"/>
+        <p:cNvGrpSpPr/>
+        <p:nvPr/>
+      </p:nvGrpSpPr>
+      <p:grpSpPr>
+        <a:xfrm>
+          <a:off x="0" y="0"/>
+          <a:ext cx="0" cy="0"/>
+          <a:chOff x="0" y="0"/>
+          <a:chExt cx="0" cy="0"/>
+        </a:xfrm>
+      </p:grpSpPr>
+      <p:cxnSp>
+        <p:nvCxnSpPr>
+          <p:cNvPr id="372" name="Google Shape;372;p35"/>
+          <p:cNvCxnSpPr/>
+          <p:nvPr/>
+        </p:nvCxnSpPr>
+        <p:spPr>
+          <a:xfrm>
+            <a:off x="-411000" y="651778"/>
+            <a:ext cx="9966000" cy="0"/>
+          </a:xfrm>
+          <a:prstGeom prst="straightConnector1">
+            <a:avLst/>
+          </a:prstGeom>
+          <a:noFill/>
+          <a:ln w="9525" cap="flat" cmpd="sng">
+            <a:solidFill>
+              <a:schemeClr val="dk1"/>
+            </a:solidFill>
+            <a:prstDash val="solid"/>
+            <a:round/>
+            <a:headEnd type="none" w="med" len="med"/>
+            <a:tailEnd type="none" w="med" len="med"/>
+          </a:ln>
+        </p:spPr>
+      </p:cxnSp>
+      <p:sp>
+        <p:nvSpPr>
+          <p:cNvPr id="4" name="TextBox 3">
+            <a:extLst>
+              <a:ext uri="{FF2B5EF4-FFF2-40B4-BE49-F238E27FC236}">
+                <a16:creationId xmlns:a16="http://schemas.microsoft.com/office/drawing/2014/main" id="{15FC83E9-ECBD-44F4-B5A7-AF945579BD99}"/>
+              </a:ext>
+            </a:extLst>
+          </p:cNvPr>
+          <p:cNvSpPr txBox="1"/>
+          <p:nvPr/>
+        </p:nvSpPr>
+        <p:spPr>
+          <a:xfrm>
+            <a:off x="514666" y="809500"/>
+            <a:ext cx="3437659" cy="553998"/>
+          </a:xfrm>
+          <a:prstGeom prst="rect">
+            <a:avLst/>
+          </a:prstGeom>
+          <a:noFill/>
+        </p:spPr>
+        <p:txBody>
+          <a:bodyPr wrap="square" rtlCol="0">
+            <a:spAutoFit/>
+          </a:bodyPr>
+          <a:lstStyle/>
+          <a:p>
+            <a:r>
+              <a:rPr lang="ru-RU" sz="3000" b="1" dirty="0">
+                <a:latin typeface="+mj-lt"/>
+              </a:rPr>
+              <a:t>Написание кода</a:t>
+            </a:r>
+          </a:p>
+        </p:txBody>
+      </p:sp>
+      <p:sp>
+        <p:nvSpPr>
+          <p:cNvPr id="5" name="TextBox 4">
+            <a:extLst>
+              <a:ext uri="{FF2B5EF4-FFF2-40B4-BE49-F238E27FC236}">
+                <a16:creationId xmlns:a16="http://schemas.microsoft.com/office/drawing/2014/main" id="{1BAEC02B-571C-49B3-B6E1-7B574A14164F}"/>
+              </a:ext>
+            </a:extLst>
+          </p:cNvPr>
+          <p:cNvSpPr txBox="1"/>
+          <p:nvPr/>
+        </p:nvSpPr>
+        <p:spPr>
+          <a:xfrm>
+            <a:off x="587952" y="1388626"/>
+            <a:ext cx="3170172" cy="3754874"/>
+          </a:xfrm>
+          <a:prstGeom prst="rect">
+            <a:avLst/>
+          </a:prstGeom>
+          <a:noFill/>
+        </p:spPr>
+        <p:txBody>
+          <a:bodyPr wrap="square" rtlCol="0">
+            <a:spAutoFit/>
+          </a:bodyPr>
+          <a:lstStyle/>
+          <a:p>
+            <a:r>
+              <a:rPr lang="ru-RU" dirty="0"/>
+              <a:t>Переходим к основной функции программы. Для начала заменяем запятую на точку при вводе значения, чтобы не возникало ошибок, затем преобразовываем введенное значение к типу </a:t>
+            </a:r>
+            <a:r>
+              <a:rPr lang="en-US" dirty="0"/>
+              <a:t>float</a:t>
+            </a:r>
+            <a:r>
+              <a:rPr lang="ru-RU" dirty="0"/>
+              <a:t> и получаем выбранный тип измерения и единицы измерения. Затем по формуле вычисляем коэффициент, умножаем его на введенное значение и выводим результат с точностью до трех знаков. Если пользователь не введет число или введет неверный формат числа, то в поле результат появится соответствующее сообщение</a:t>
+            </a:r>
+          </a:p>
+        </p:txBody>
+      </p:sp>
+      <p:pic>
+        <p:nvPicPr>
+          <p:cNvPr id="2" name="Рисунок 1">
+            <a:extLst>
+              <a:ext uri="{FF2B5EF4-FFF2-40B4-BE49-F238E27FC236}">
+                <a16:creationId xmlns:a16="http://schemas.microsoft.com/office/drawing/2014/main" id="{FEE6AB78-F345-43AD-908F-2C4430969767}"/>
+              </a:ext>
+            </a:extLst>
+          </p:cNvPr>
+          <p:cNvPicPr>
+            <a:picLocks noChangeAspect="1"/>
+          </p:cNvPicPr>
+          <p:nvPr/>
+        </p:nvPicPr>
+        <p:blipFill>
+          <a:blip r:embed="rId3"/>
+          <a:stretch>
+            <a:fillRect/>
+          </a:stretch>
+        </p:blipFill>
+        <p:spPr>
+          <a:xfrm>
+            <a:off x="4152126" y="1363498"/>
+            <a:ext cx="4343465" cy="3402157"/>
+          </a:xfrm>
+          <a:prstGeom prst="rect">
+            <a:avLst/>
+          </a:prstGeom>
+        </p:spPr>
+      </p:pic>
+    </p:spTree>
+    <p:extLst>
+      <p:ext uri="{BB962C8B-B14F-4D97-AF65-F5344CB8AC3E}">
+        <p14:creationId xmlns:p14="http://schemas.microsoft.com/office/powerpoint/2010/main" val="797924352"/>
+      </p:ext>
+    </p:extLst>
+  </p:cSld>
+  <p:clrMapOvr>
+    <a:masterClrMapping/>
+  </p:clrMapOvr>
+</p:sld>
+</file>
+
+<file path=ppt/slides/slide11.xml><?xml version="1.0" encoding="utf-8"?>
+<p:sld xmlns:a="http://schemas.openxmlformats.org/drawingml/2006/main" xmlns:r="http://schemas.openxmlformats.org/officeDocument/2006/relationships" xmlns:p="http://schemas.openxmlformats.org/presentationml/2006/main">
+  <p:cSld>
+    <p:spTree>
+      <p:nvGrpSpPr>
+        <p:cNvPr id="1" name="Shape 368"/>
+        <p:cNvGrpSpPr/>
+        <p:nvPr/>
+      </p:nvGrpSpPr>
+      <p:grpSpPr>
+        <a:xfrm>
+          <a:off x="0" y="0"/>
+          <a:ext cx="0" cy="0"/>
+          <a:chOff x="0" y="0"/>
+          <a:chExt cx="0" cy="0"/>
+        </a:xfrm>
+      </p:grpSpPr>
+      <p:cxnSp>
+        <p:nvCxnSpPr>
+          <p:cNvPr id="372" name="Google Shape;372;p35"/>
+          <p:cNvCxnSpPr/>
+          <p:nvPr/>
+        </p:nvCxnSpPr>
+        <p:spPr>
+          <a:xfrm>
+            <a:off x="-411000" y="651778"/>
+            <a:ext cx="9966000" cy="0"/>
+          </a:xfrm>
+          <a:prstGeom prst="straightConnector1">
+            <a:avLst/>
+          </a:prstGeom>
+          <a:noFill/>
+          <a:ln w="9525" cap="flat" cmpd="sng">
+            <a:solidFill>
+              <a:schemeClr val="dk1"/>
+            </a:solidFill>
+            <a:prstDash val="solid"/>
+            <a:round/>
+            <a:headEnd type="none" w="med" len="med"/>
+            <a:tailEnd type="none" w="med" len="med"/>
+          </a:ln>
+        </p:spPr>
+      </p:cxnSp>
+      <p:sp>
+        <p:nvSpPr>
+          <p:cNvPr id="4" name="TextBox 3">
+            <a:extLst>
+              <a:ext uri="{FF2B5EF4-FFF2-40B4-BE49-F238E27FC236}">
+                <a16:creationId xmlns:a16="http://schemas.microsoft.com/office/drawing/2014/main" id="{15FC83E9-ECBD-44F4-B5A7-AF945579BD99}"/>
+              </a:ext>
+            </a:extLst>
+          </p:cNvPr>
+          <p:cNvSpPr txBox="1"/>
+          <p:nvPr/>
+        </p:nvSpPr>
+        <p:spPr>
+          <a:xfrm>
+            <a:off x="514666" y="809500"/>
+            <a:ext cx="3437659" cy="553998"/>
+          </a:xfrm>
+          <a:prstGeom prst="rect">
+            <a:avLst/>
+          </a:prstGeom>
+          <a:noFill/>
+        </p:spPr>
+        <p:txBody>
+          <a:bodyPr wrap="square" rtlCol="0">
+            <a:spAutoFit/>
+          </a:bodyPr>
+          <a:lstStyle/>
+          <a:p>
+            <a:r>
+              <a:rPr lang="ru-RU" sz="3000" b="1" dirty="0">
+                <a:latin typeface="+mj-lt"/>
+              </a:rPr>
+              <a:t>Написание кода</a:t>
+            </a:r>
+          </a:p>
+        </p:txBody>
+      </p:sp>
+      <p:sp>
+        <p:nvSpPr>
+          <p:cNvPr id="5" name="TextBox 4">
+            <a:extLst>
+              <a:ext uri="{FF2B5EF4-FFF2-40B4-BE49-F238E27FC236}">
+                <a16:creationId xmlns:a16="http://schemas.microsoft.com/office/drawing/2014/main" id="{1BAEC02B-571C-49B3-B6E1-7B574A14164F}"/>
+              </a:ext>
+            </a:extLst>
+          </p:cNvPr>
+          <p:cNvSpPr txBox="1"/>
+          <p:nvPr/>
+        </p:nvSpPr>
+        <p:spPr>
+          <a:xfrm>
+            <a:off x="857250" y="2080198"/>
+            <a:ext cx="3170172" cy="2677656"/>
+          </a:xfrm>
+          <a:prstGeom prst="rect">
+            <a:avLst/>
+          </a:prstGeom>
+          <a:noFill/>
+        </p:spPr>
+        <p:txBody>
+          <a:bodyPr wrap="square" rtlCol="0">
+            <a:spAutoFit/>
+          </a:bodyPr>
+          <a:lstStyle/>
+          <a:p>
+            <a:r>
+              <a:rPr lang="ru-RU" dirty="0"/>
+              <a:t>Для удобства работы с конвертером добавила также две функции: очищение полей ввода и вывода и копирование результата.</a:t>
+            </a:r>
+          </a:p>
+          <a:p>
+            <a:r>
+              <a:rPr lang="ru-RU" dirty="0"/>
+              <a:t>В функции </a:t>
+            </a:r>
+            <a:r>
+              <a:rPr lang="en-US" dirty="0"/>
+              <a:t>clear </a:t>
+            </a:r>
+            <a:r>
+              <a:rPr lang="ru-RU" dirty="0"/>
+              <a:t>полям ввода и вывода устанавливаем пустую строку, а в функции </a:t>
+            </a:r>
+            <a:r>
+              <a:rPr lang="en-US" dirty="0" err="1"/>
+              <a:t>copy_result</a:t>
+            </a:r>
+            <a:r>
+              <a:rPr lang="en-US" dirty="0"/>
+              <a:t> </a:t>
+            </a:r>
+            <a:r>
+              <a:rPr lang="ru-RU" dirty="0"/>
+              <a:t>мы очищаем текущее содержимое буфер обмена через метод </a:t>
+            </a:r>
+            <a:r>
+              <a:rPr lang="en-US" dirty="0" err="1"/>
+              <a:t>clipboard_clear</a:t>
+            </a:r>
+            <a:r>
+              <a:rPr lang="ru-RU" dirty="0"/>
+              <a:t> и копируем переданную строку через метод </a:t>
+            </a:r>
+            <a:r>
+              <a:rPr lang="en-US" dirty="0" err="1"/>
+              <a:t>clipboard_append</a:t>
+            </a:r>
+            <a:endParaRPr lang="ru-RU" dirty="0"/>
+          </a:p>
+        </p:txBody>
+      </p:sp>
+      <p:pic>
+        <p:nvPicPr>
+          <p:cNvPr id="2" name="Рисунок 1">
+            <a:extLst>
+              <a:ext uri="{FF2B5EF4-FFF2-40B4-BE49-F238E27FC236}">
+                <a16:creationId xmlns:a16="http://schemas.microsoft.com/office/drawing/2014/main" id="{26E58463-6C4C-49B7-B7C0-47B704F3847E}"/>
+              </a:ext>
+            </a:extLst>
+          </p:cNvPr>
+          <p:cNvPicPr>
+            <a:picLocks noChangeAspect="1"/>
+          </p:cNvPicPr>
+          <p:nvPr/>
+        </p:nvPicPr>
+        <p:blipFill>
+          <a:blip r:embed="rId3"/>
+          <a:stretch>
+            <a:fillRect/>
+          </a:stretch>
+        </p:blipFill>
+        <p:spPr>
+          <a:xfrm>
+            <a:off x="4572000" y="2105260"/>
+            <a:ext cx="3790950" cy="1981200"/>
+          </a:xfrm>
+          <a:prstGeom prst="rect">
+            <a:avLst/>
+          </a:prstGeom>
+        </p:spPr>
+      </p:pic>
+    </p:spTree>
+    <p:extLst>
+      <p:ext uri="{BB962C8B-B14F-4D97-AF65-F5344CB8AC3E}">
+        <p14:creationId xmlns:p14="http://schemas.microsoft.com/office/powerpoint/2010/main" val="76950282"/>
+      </p:ext>
+    </p:extLst>
+  </p:cSld>
+  <p:clrMapOvr>
+    <a:masterClrMapping/>
+  </p:clrMapOvr>
+</p:sld>
+</file>
+
+<file path=ppt/slides/slide12.xml><?xml version="1.0" encoding="utf-8"?>
+<p:sld xmlns:a="http://schemas.openxmlformats.org/drawingml/2006/main" xmlns:r="http://schemas.openxmlformats.org/officeDocument/2006/relationships" xmlns:p="http://schemas.openxmlformats.org/presentationml/2006/main">
+  <p:cSld>
+    <p:spTree>
+      <p:nvGrpSpPr>
+        <p:cNvPr id="1" name="Shape 368"/>
+        <p:cNvGrpSpPr/>
+        <p:nvPr/>
+      </p:nvGrpSpPr>
+      <p:grpSpPr>
+        <a:xfrm>
+          <a:off x="0" y="0"/>
+          <a:ext cx="0" cy="0"/>
+          <a:chOff x="0" y="0"/>
+          <a:chExt cx="0" cy="0"/>
+        </a:xfrm>
+      </p:grpSpPr>
+      <p:cxnSp>
+        <p:nvCxnSpPr>
+          <p:cNvPr id="372" name="Google Shape;372;p35"/>
+          <p:cNvCxnSpPr/>
+          <p:nvPr/>
+        </p:nvCxnSpPr>
+        <p:spPr>
+          <a:xfrm>
+            <a:off x="-411000" y="651778"/>
+            <a:ext cx="9966000" cy="0"/>
+          </a:xfrm>
+          <a:prstGeom prst="straightConnector1">
+            <a:avLst/>
+          </a:prstGeom>
+          <a:noFill/>
+          <a:ln w="9525" cap="flat" cmpd="sng">
+            <a:solidFill>
+              <a:schemeClr val="dk1"/>
+            </a:solidFill>
+            <a:prstDash val="solid"/>
+            <a:round/>
+            <a:headEnd type="none" w="med" len="med"/>
+            <a:tailEnd type="none" w="med" len="med"/>
+          </a:ln>
+        </p:spPr>
+      </p:cxnSp>
+      <p:sp>
+        <p:nvSpPr>
+          <p:cNvPr id="3" name="TextBox 2">
+            <a:extLst>
+              <a:ext uri="{FF2B5EF4-FFF2-40B4-BE49-F238E27FC236}">
+                <a16:creationId xmlns:a16="http://schemas.microsoft.com/office/drawing/2014/main" id="{B59C0D84-6AE3-44DA-B9F9-6B50213C212F}"/>
+              </a:ext>
+            </a:extLst>
+          </p:cNvPr>
+          <p:cNvSpPr txBox="1"/>
+          <p:nvPr/>
+        </p:nvSpPr>
+        <p:spPr>
+          <a:xfrm>
+            <a:off x="608340" y="1322478"/>
+            <a:ext cx="7927319" cy="584775"/>
+          </a:xfrm>
+          <a:prstGeom prst="rect">
+            <a:avLst/>
+          </a:prstGeom>
+          <a:noFill/>
+        </p:spPr>
+        <p:txBody>
+          <a:bodyPr wrap="square" rtlCol="0">
+            <a:spAutoFit/>
+          </a:bodyPr>
+          <a:lstStyle/>
+          <a:p>
+            <a:r>
+              <a:rPr lang="ru-RU" sz="3200" b="1" dirty="0">
+                <a:latin typeface="+mj-lt"/>
+              </a:rPr>
+              <a:t>Тестирование и исправление ошибок</a:t>
+            </a:r>
+          </a:p>
+        </p:txBody>
+      </p:sp>
+      <p:sp>
+        <p:nvSpPr>
+          <p:cNvPr id="2" name="TextBox 1">
+            <a:extLst>
+              <a:ext uri="{FF2B5EF4-FFF2-40B4-BE49-F238E27FC236}">
+                <a16:creationId xmlns:a16="http://schemas.microsoft.com/office/drawing/2014/main" id="{4C80D71C-9F9D-4B47-A58E-9BABE445F56D}"/>
+              </a:ext>
+            </a:extLst>
+          </p:cNvPr>
+          <p:cNvSpPr txBox="1"/>
+          <p:nvPr/>
+        </p:nvSpPr>
+        <p:spPr>
+          <a:xfrm>
+            <a:off x="608339" y="2502383"/>
+            <a:ext cx="7927319" cy="954107"/>
+          </a:xfrm>
+          <a:prstGeom prst="rect">
+            <a:avLst/>
+          </a:prstGeom>
+          <a:noFill/>
+        </p:spPr>
+        <p:txBody>
+          <a:bodyPr wrap="square" rtlCol="0">
+            <a:spAutoFit/>
+          </a:bodyPr>
+          <a:lstStyle/>
+          <a:p>
+            <a:r>
+              <a:rPr lang="ru-RU" dirty="0"/>
+              <a:t>В основном появляющиеся ошибки были связаны с вводом и выводом результата. Они были исправлены добавлением дополнительных условий и обработок исключений. Также была ошибка, связанная с разными представлениями записи десятичного числа (например, 1.5 и 1,5). По итогу все ошибки и неточности были исправлены. </a:t>
+            </a:r>
+          </a:p>
+        </p:txBody>
+      </p:sp>
+    </p:spTree>
+    <p:extLst>
+      <p:ext uri="{BB962C8B-B14F-4D97-AF65-F5344CB8AC3E}">
+        <p14:creationId xmlns:p14="http://schemas.microsoft.com/office/powerpoint/2010/main" val="592211874"/>
+      </p:ext>
+    </p:extLst>
+  </p:cSld>
+  <p:clrMapOvr>
+    <a:masterClrMapping/>
+  </p:clrMapOvr>
+</p:sld>
+</file>
+
+<file path=ppt/slides/slide13.xml><?xml version="1.0" encoding="utf-8"?>
+<p:sld xmlns:a="http://schemas.openxmlformats.org/drawingml/2006/main" xmlns:r="http://schemas.openxmlformats.org/officeDocument/2006/relationships" xmlns:p="http://schemas.openxmlformats.org/presentationml/2006/main">
+  <p:cSld>
+    <p:spTree>
+      <p:nvGrpSpPr>
+        <p:cNvPr id="1" name="Shape 368"/>
+        <p:cNvGrpSpPr/>
+        <p:nvPr/>
+      </p:nvGrpSpPr>
+      <p:grpSpPr>
+        <a:xfrm>
+          <a:off x="0" y="0"/>
+          <a:ext cx="0" cy="0"/>
+          <a:chOff x="0" y="0"/>
+          <a:chExt cx="0" cy="0"/>
+        </a:xfrm>
+      </p:grpSpPr>
+      <p:sp>
+        <p:nvSpPr>
+          <p:cNvPr id="4" name="Прямоугольник: скругленные углы 3">
+            <a:extLst>
+              <a:ext uri="{FF2B5EF4-FFF2-40B4-BE49-F238E27FC236}">
+                <a16:creationId xmlns:a16="http://schemas.microsoft.com/office/drawing/2014/main" id="{8195521F-AAA7-4D9E-A115-4E883274DA2A}"/>
+              </a:ext>
+            </a:extLst>
+          </p:cNvPr>
+          <p:cNvSpPr/>
+          <p:nvPr/>
+        </p:nvSpPr>
+        <p:spPr>
+          <a:xfrm>
+            <a:off x="608337" y="2312450"/>
+            <a:ext cx="8059570" cy="1224214"/>
+          </a:xfrm>
+          <a:prstGeom prst="roundRect">
+            <a:avLst/>
+          </a:prstGeom>
+          <a:ln/>
+        </p:spPr>
+        <p:style>
+          <a:lnRef idx="1">
+            <a:schemeClr val="accent1"/>
+          </a:lnRef>
+          <a:fillRef idx="2">
+            <a:schemeClr val="accent1"/>
+          </a:fillRef>
+          <a:effectRef idx="1">
+            <a:schemeClr val="accent1"/>
+          </a:effectRef>
+          <a:fontRef idx="minor">
+            <a:schemeClr val="dk1"/>
+          </a:fontRef>
+        </p:style>
+        <p:txBody>
+          <a:bodyPr rtlCol="0" anchor="ctr"/>
+          <a:lstStyle/>
+          <a:p>
+            <a:pPr algn="ctr"/>
+            <a:endParaRPr lang="ru-RU"/>
+          </a:p>
+        </p:txBody>
+      </p:sp>
+      <p:cxnSp>
+        <p:nvCxnSpPr>
+          <p:cNvPr id="372" name="Google Shape;372;p35"/>
+          <p:cNvCxnSpPr/>
+          <p:nvPr/>
+        </p:nvCxnSpPr>
+        <p:spPr>
+          <a:xfrm>
+            <a:off x="-411000" y="651778"/>
+            <a:ext cx="9966000" cy="0"/>
+          </a:xfrm>
+          <a:prstGeom prst="straightConnector1">
+            <a:avLst/>
+          </a:prstGeom>
+          <a:noFill/>
+          <a:ln w="9525" cap="flat" cmpd="sng">
+            <a:solidFill>
+              <a:schemeClr val="dk1"/>
+            </a:solidFill>
+            <a:prstDash val="solid"/>
+            <a:round/>
+            <a:headEnd type="none" w="med" len="med"/>
+            <a:tailEnd type="none" w="med" len="med"/>
+          </a:ln>
+        </p:spPr>
+      </p:cxnSp>
+      <p:sp>
+        <p:nvSpPr>
+          <p:cNvPr id="3" name="TextBox 2">
+            <a:extLst>
+              <a:ext uri="{FF2B5EF4-FFF2-40B4-BE49-F238E27FC236}">
+                <a16:creationId xmlns:a16="http://schemas.microsoft.com/office/drawing/2014/main" id="{B59C0D84-6AE3-44DA-B9F9-6B50213C212F}"/>
+              </a:ext>
+            </a:extLst>
+          </p:cNvPr>
+          <p:cNvSpPr txBox="1"/>
+          <p:nvPr/>
+        </p:nvSpPr>
+        <p:spPr>
+          <a:xfrm>
+            <a:off x="3757728" y="1428277"/>
+            <a:ext cx="1628539" cy="584775"/>
+          </a:xfrm>
+          <a:prstGeom prst="rect">
+            <a:avLst/>
+          </a:prstGeom>
+          <a:noFill/>
+        </p:spPr>
+        <p:txBody>
+          <a:bodyPr wrap="square" rtlCol="0">
+            <a:spAutoFit/>
+          </a:bodyPr>
+          <a:lstStyle/>
+          <a:p>
+            <a:r>
+              <a:rPr lang="ru-RU" sz="3200" b="1" dirty="0">
+                <a:latin typeface="+mj-lt"/>
+              </a:rPr>
+              <a:t>Вывод</a:t>
+            </a:r>
+          </a:p>
+        </p:txBody>
+      </p:sp>
+      <p:sp>
+        <p:nvSpPr>
+          <p:cNvPr id="2" name="TextBox 1">
+            <a:extLst>
+              <a:ext uri="{FF2B5EF4-FFF2-40B4-BE49-F238E27FC236}">
+                <a16:creationId xmlns:a16="http://schemas.microsoft.com/office/drawing/2014/main" id="{4C80D71C-9F9D-4B47-A58E-9BABE445F56D}"/>
+              </a:ext>
+            </a:extLst>
+          </p:cNvPr>
+          <p:cNvSpPr txBox="1"/>
+          <p:nvPr/>
+        </p:nvSpPr>
+        <p:spPr>
+          <a:xfrm>
+            <a:off x="608337" y="2571750"/>
+            <a:ext cx="7927319" cy="738664"/>
+          </a:xfrm>
+          <a:prstGeom prst="rect">
+            <a:avLst/>
+          </a:prstGeom>
+          <a:noFill/>
+        </p:spPr>
+        <p:txBody>
+          <a:bodyPr wrap="square" rtlCol="0">
+            <a:spAutoFit/>
+          </a:bodyPr>
+          <a:lstStyle/>
+          <a:p>
+            <a:pPr algn="ctr"/>
+            <a:r>
+              <a:rPr lang="ru-RU" dirty="0"/>
+              <a:t>По итогу выполненной работы я реализовала свою задумку программы для конвертации единиц измерений на </a:t>
+            </a:r>
+            <a:r>
+              <a:rPr lang="en-US" dirty="0"/>
+              <a:t>Python</a:t>
+            </a:r>
+            <a:r>
+              <a:rPr lang="ru-RU" dirty="0"/>
+              <a:t>. Цель работы и поставленные задачи были выполнены, результат работы выгружен на </a:t>
+            </a:r>
+            <a:r>
+              <a:rPr lang="en-US" dirty="0"/>
+              <a:t>GitHub</a:t>
+            </a:r>
+            <a:endParaRPr lang="ru-RU" dirty="0"/>
+          </a:p>
+        </p:txBody>
+      </p:sp>
+    </p:spTree>
+    <p:extLst>
+      <p:ext uri="{BB962C8B-B14F-4D97-AF65-F5344CB8AC3E}">
+        <p14:creationId xmlns:p14="http://schemas.microsoft.com/office/powerpoint/2010/main" val="2251320036"/>
+      </p:ext>
+    </p:extLst>
+  </p:cSld>
+  <p:clrMapOvr>
+    <a:masterClrMapping/>
+  </p:clrMapOvr>
+</p:sld>
+</file>
+
+<file path=ppt/slides/slide14.xml><?xml version="1.0" encoding="utf-8"?>
+<p:sld xmlns:a="http://schemas.openxmlformats.org/drawingml/2006/main" xmlns:r="http://schemas.openxmlformats.org/officeDocument/2006/relationships" xmlns:p="http://schemas.openxmlformats.org/presentationml/2006/main">
+  <p:cSld>
+    <p:spTree>
+      <p:nvGrpSpPr>
+        <p:cNvPr id="1" name="Shape 368"/>
+        <p:cNvGrpSpPr/>
+        <p:nvPr/>
+      </p:nvGrpSpPr>
+      <p:grpSpPr>
+        <a:xfrm>
+          <a:off x="0" y="0"/>
+          <a:ext cx="0" cy="0"/>
+          <a:chOff x="0" y="0"/>
+          <a:chExt cx="0" cy="0"/>
+        </a:xfrm>
+      </p:grpSpPr>
+      <p:sp>
+        <p:nvSpPr>
+          <p:cNvPr id="4" name="Прямоугольник: скругленные углы 3">
+            <a:extLst>
+              <a:ext uri="{FF2B5EF4-FFF2-40B4-BE49-F238E27FC236}">
+                <a16:creationId xmlns:a16="http://schemas.microsoft.com/office/drawing/2014/main" id="{8195521F-AAA7-4D9E-A115-4E883274DA2A}"/>
+              </a:ext>
+            </a:extLst>
+          </p:cNvPr>
+          <p:cNvSpPr/>
+          <p:nvPr/>
+        </p:nvSpPr>
+        <p:spPr>
+          <a:xfrm>
+            <a:off x="608337" y="2312450"/>
+            <a:ext cx="8059570" cy="1224214"/>
+          </a:xfrm>
+          <a:prstGeom prst="roundRect">
+            <a:avLst/>
+          </a:prstGeom>
+          <a:ln/>
+        </p:spPr>
+        <p:style>
+          <a:lnRef idx="1">
+            <a:schemeClr val="accent1"/>
+          </a:lnRef>
+          <a:fillRef idx="2">
+            <a:schemeClr val="accent1"/>
+          </a:fillRef>
+          <a:effectRef idx="1">
+            <a:schemeClr val="accent1"/>
+          </a:effectRef>
+          <a:fontRef idx="minor">
+            <a:schemeClr val="dk1"/>
+          </a:fontRef>
+        </p:style>
+        <p:txBody>
+          <a:bodyPr rtlCol="0" anchor="ctr"/>
+          <a:lstStyle/>
+          <a:p>
+            <a:pPr algn="ctr"/>
+            <a:endParaRPr lang="ru-RU"/>
+          </a:p>
+        </p:txBody>
+      </p:sp>
+      <p:cxnSp>
+        <p:nvCxnSpPr>
+          <p:cNvPr id="372" name="Google Shape;372;p35"/>
+          <p:cNvCxnSpPr/>
+          <p:nvPr/>
+        </p:nvCxnSpPr>
+        <p:spPr>
+          <a:xfrm>
+            <a:off x="-411000" y="651778"/>
+            <a:ext cx="9966000" cy="0"/>
+          </a:xfrm>
+          <a:prstGeom prst="straightConnector1">
+            <a:avLst/>
+          </a:prstGeom>
+          <a:noFill/>
+          <a:ln w="9525" cap="flat" cmpd="sng">
+            <a:solidFill>
+              <a:schemeClr val="dk1"/>
+            </a:solidFill>
+            <a:prstDash val="solid"/>
+            <a:round/>
+            <a:headEnd type="none" w="med" len="med"/>
+            <a:tailEnd type="none" w="med" len="med"/>
+          </a:ln>
+        </p:spPr>
+      </p:cxnSp>
+      <p:sp>
+        <p:nvSpPr>
+          <p:cNvPr id="3" name="TextBox 2">
+            <a:extLst>
+              <a:ext uri="{FF2B5EF4-FFF2-40B4-BE49-F238E27FC236}">
+                <a16:creationId xmlns:a16="http://schemas.microsoft.com/office/drawing/2014/main" id="{B59C0D84-6AE3-44DA-B9F9-6B50213C212F}"/>
+              </a:ext>
+            </a:extLst>
+          </p:cNvPr>
+          <p:cNvSpPr txBox="1"/>
+          <p:nvPr/>
+        </p:nvSpPr>
+        <p:spPr>
+          <a:xfrm>
+            <a:off x="1518014" y="1420720"/>
+            <a:ext cx="6240215" cy="584775"/>
+          </a:xfrm>
+          <a:prstGeom prst="rect">
+            <a:avLst/>
+          </a:prstGeom>
+          <a:noFill/>
+        </p:spPr>
+        <p:txBody>
+          <a:bodyPr wrap="square" rtlCol="0">
+            <a:spAutoFit/>
+          </a:bodyPr>
+          <a:lstStyle/>
+          <a:p>
+            <a:r>
+              <a:rPr lang="ru-RU" sz="3200" b="1" dirty="0">
+                <a:latin typeface="+mj-lt"/>
+              </a:rPr>
+              <a:t>Вспомогательный материал</a:t>
+            </a:r>
+          </a:p>
+        </p:txBody>
+      </p:sp>
+      <p:sp>
+        <p:nvSpPr>
+          <p:cNvPr id="2" name="TextBox 1">
+            <a:extLst>
+              <a:ext uri="{FF2B5EF4-FFF2-40B4-BE49-F238E27FC236}">
+                <a16:creationId xmlns:a16="http://schemas.microsoft.com/office/drawing/2014/main" id="{4C80D71C-9F9D-4B47-A58E-9BABE445F56D}"/>
+              </a:ext>
+            </a:extLst>
+          </p:cNvPr>
+          <p:cNvSpPr txBox="1"/>
+          <p:nvPr/>
+        </p:nvSpPr>
+        <p:spPr>
+          <a:xfrm>
+            <a:off x="608344" y="2555225"/>
+            <a:ext cx="7927319" cy="738664"/>
+          </a:xfrm>
+          <a:prstGeom prst="rect">
+            <a:avLst/>
+          </a:prstGeom>
+          <a:noFill/>
+        </p:spPr>
+        <p:txBody>
+          <a:bodyPr wrap="square" rtlCol="0">
+            <a:spAutoFit/>
+          </a:bodyPr>
+          <a:lstStyle/>
+          <a:p>
+            <a:pPr algn="ctr"/>
+            <a:r>
+              <a:rPr lang="en-US" dirty="0"/>
+              <a:t>https://ultrapythonic.com/ttk-and-ttk-style/</a:t>
+            </a:r>
+          </a:p>
+          <a:p>
+            <a:pPr algn="ctr"/>
+            <a:r>
+              <a:rPr lang="en-US" dirty="0"/>
+              <a:t>https://www.plus2net.com/python/tkinter.php</a:t>
+            </a:r>
+          </a:p>
+          <a:p>
+            <a:pPr algn="ctr"/>
+            <a:r>
+              <a:rPr lang="en-US" dirty="0"/>
+              <a:t>https://metanit.com/python/tkinter/2.1.php</a:t>
+            </a:r>
+            <a:endParaRPr lang="ru-RU" dirty="0"/>
+          </a:p>
+        </p:txBody>
+      </p:sp>
+    </p:spTree>
+    <p:extLst>
+      <p:ext uri="{BB962C8B-B14F-4D97-AF65-F5344CB8AC3E}">
+        <p14:creationId xmlns:p14="http://schemas.microsoft.com/office/powerpoint/2010/main" val="496997724"/>
+      </p:ext>
+    </p:extLst>
+  </p:cSld>
+  <p:clrMapOvr>
+    <a:masterClrMapping/>
+  </p:clrMapOvr>
+</p:sld>
+</file>
+
 <file path=ppt/slides/slide2.xml><?xml version="1.0" encoding="utf-8"?>
 <p:sld xmlns:a="http://schemas.openxmlformats.org/drawingml/2006/main" xmlns:r="http://schemas.openxmlformats.org/officeDocument/2006/relationships" xmlns:p="http://schemas.openxmlformats.org/presentationml/2006/main">
   <p:cSld>
@@ -6423,36 +7871,6 @@
           </a:ln>
         </p:spPr>
       </p:cxnSp>
-      <p:pic>
-        <p:nvPicPr>
-          <p:cNvPr id="2" name="Рисунок 1">
-            <a:extLst>
-              <a:ext uri="{FF2B5EF4-FFF2-40B4-BE49-F238E27FC236}">
-                <a16:creationId xmlns:a16="http://schemas.microsoft.com/office/drawing/2014/main" id="{5843EB86-CB18-4E39-8DAA-5FEA90885575}"/>
-              </a:ext>
-            </a:extLst>
-          </p:cNvPr>
-          <p:cNvPicPr>
-            <a:picLocks noChangeAspect="1"/>
-          </p:cNvPicPr>
-          <p:nvPr/>
-        </p:nvPicPr>
-        <p:blipFill>
-          <a:blip r:embed="rId3"/>
-          <a:stretch>
-            <a:fillRect/>
-          </a:stretch>
-        </p:blipFill>
-        <p:spPr>
-          <a:xfrm>
-            <a:off x="4340094" y="1854277"/>
-            <a:ext cx="4297586" cy="1797683"/>
-          </a:xfrm>
-          <a:prstGeom prst="rect">
-            <a:avLst/>
-          </a:prstGeom>
-        </p:spPr>
-      </p:pic>
       <p:sp>
         <p:nvSpPr>
           <p:cNvPr id="4" name="TextBox 3">
@@ -6505,7 +7923,7 @@
         <p:spPr>
           <a:xfrm>
             <a:off x="706583" y="2109418"/>
-            <a:ext cx="3170172" cy="1600438"/>
+            <a:ext cx="3170172" cy="1815882"/>
           </a:xfrm>
           <a:prstGeom prst="rect">
             <a:avLst/>
@@ -6550,11 +7968,44 @@
           <a:p>
             <a:r>
               <a:rPr lang="ru-RU" dirty="0"/>
-              <a:t>Также определяем словари для хранения значений длины и веса</a:t>
+              <a:t>Также определяем словари для хранения значений длины, веса и времени</a:t>
             </a:r>
           </a:p>
         </p:txBody>
       </p:sp>
+      <p:pic>
+        <p:nvPicPr>
+          <p:cNvPr id="3" name="Рисунок 2">
+            <a:extLst>
+              <a:ext uri="{FF2B5EF4-FFF2-40B4-BE49-F238E27FC236}">
+                <a16:creationId xmlns:a16="http://schemas.microsoft.com/office/drawing/2014/main" id="{B6587627-7ABD-4BE9-B018-260EAEA78C7A}"/>
+              </a:ext>
+            </a:extLst>
+          </p:cNvPr>
+          <p:cNvPicPr>
+            <a:picLocks noChangeAspect="1"/>
+          </p:cNvPicPr>
+          <p:nvPr/>
+        </p:nvPicPr>
+        <p:blipFill>
+          <a:blip r:embed="rId3"/>
+          <a:stretch>
+            <a:fillRect/>
+          </a:stretch>
+        </p:blipFill>
+        <p:spPr>
+          <a:xfrm>
+            <a:off x="4043009" y="1657246"/>
+            <a:ext cx="4563104" cy="2675990"/>
+          </a:xfrm>
+          <a:prstGeom prst="rect">
+            <a:avLst/>
+          </a:prstGeom>
+          <a:effectLst>
+            <a:softEdge rad="0"/>
+          </a:effectLst>
+        </p:spPr>
+      </p:pic>
     </p:spTree>
     <p:extLst>
       <p:ext uri="{BB962C8B-B14F-4D97-AF65-F5344CB8AC3E}">
@@ -6844,7 +8295,7 @@
         <p:spPr>
           <a:xfrm>
             <a:off x="514666" y="809500"/>
-            <a:ext cx="3437659" cy="553998"/>
+            <a:ext cx="3437659" cy="1015663"/>
           </a:xfrm>
           <a:prstGeom prst="rect">
             <a:avLst/>
@@ -6861,7 +8312,15 @@
               <a:rPr lang="ru-RU" sz="3000" b="1" dirty="0">
                 <a:latin typeface="+mj-lt"/>
               </a:rPr>
-              <a:t>Написание кода</a:t>
+              <a:t>Написание </a:t>
+            </a:r>
+          </a:p>
+          <a:p>
+            <a:r>
+              <a:rPr lang="ru-RU" sz="3000" b="1" dirty="0">
+                <a:latin typeface="+mj-lt"/>
+              </a:rPr>
+              <a:t>кода</a:t>
             </a:r>
           </a:p>
         </p:txBody>
@@ -6880,7 +8339,7 @@
         </p:nvSpPr>
         <p:spPr>
           <a:xfrm>
-            <a:off x="699027" y="1806514"/>
+            <a:off x="521432" y="1969989"/>
             <a:ext cx="2520267" cy="523220"/>
           </a:xfrm>
           <a:prstGeom prst="rect">
@@ -6903,10 +8362,10 @@
       </p:sp>
       <p:pic>
         <p:nvPicPr>
-          <p:cNvPr id="3" name="Рисунок 2">
+          <p:cNvPr id="2" name="Рисунок 1">
             <a:extLst>
               <a:ext uri="{FF2B5EF4-FFF2-40B4-BE49-F238E27FC236}">
-                <a16:creationId xmlns:a16="http://schemas.microsoft.com/office/drawing/2014/main" id="{13857F64-78B7-483C-BDBF-09955CB5E385}"/>
+                <a16:creationId xmlns:a16="http://schemas.microsoft.com/office/drawing/2014/main" id="{5E2C539D-1EDE-41CD-8963-4D0DCF3DFFD5}"/>
               </a:ext>
             </a:extLst>
           </p:cNvPr>
@@ -6923,8 +8382,8 @@
         </p:blipFill>
         <p:spPr>
           <a:xfrm>
-            <a:off x="3515318" y="1298368"/>
-            <a:ext cx="5114016" cy="3421040"/>
+            <a:off x="2932128" y="1068384"/>
+            <a:ext cx="5690440" cy="3916419"/>
           </a:xfrm>
           <a:prstGeom prst="rect">
             <a:avLst/>
@@ -7101,6 +8560,14 @@
               <a:t>weight_units</a:t>
             </a:r>
             <a:r>
+              <a:rPr lang="ru-RU" dirty="0"/>
+              <a:t> или </a:t>
+            </a:r>
+            <a:r>
+              <a:rPr lang="en-US" dirty="0" err="1"/>
+              <a:t>time_units</a:t>
+            </a:r>
+            <a:r>
               <a:rPr lang="en-US" dirty="0"/>
               <a:t>. </a:t>
             </a:r>
@@ -7121,10 +8588,10 @@
       </p:sp>
       <p:pic>
         <p:nvPicPr>
-          <p:cNvPr id="6" name="Рисунок 5">
+          <p:cNvPr id="2" name="Рисунок 1">
             <a:extLst>
               <a:ext uri="{FF2B5EF4-FFF2-40B4-BE49-F238E27FC236}">
-                <a16:creationId xmlns:a16="http://schemas.microsoft.com/office/drawing/2014/main" id="{DAAD98D3-9BF5-4038-AAD7-FFEBA4D18E8D}"/>
+                <a16:creationId xmlns:a16="http://schemas.microsoft.com/office/drawing/2014/main" id="{8E00FE24-2BCC-46D9-8FEB-FBA51A1F0673}"/>
               </a:ext>
             </a:extLst>
           </p:cNvPr>
@@ -7141,8 +8608,8 @@
         </p:blipFill>
         <p:spPr>
           <a:xfrm>
-            <a:off x="3818581" y="2264746"/>
-            <a:ext cx="4849090" cy="1460237"/>
+            <a:off x="3721206" y="2105190"/>
+            <a:ext cx="4871132" cy="1840835"/>
           </a:xfrm>
           <a:prstGeom prst="rect">
             <a:avLst/>

--- a/Pogorelova_converter.pptx
+++ b/Pogorelova_converter.pptx
@@ -7245,7 +7245,7 @@
         <p:spPr>
           <a:xfrm>
             <a:off x="608344" y="2555225"/>
-            <a:ext cx="7927319" cy="738664"/>
+            <a:ext cx="7927319" cy="1169551"/>
           </a:xfrm>
           <a:prstGeom prst="rect">
             <a:avLst/>
@@ -7260,23 +7260,48 @@
           <a:p>
             <a:pPr algn="ctr"/>
             <a:r>
-              <a:rPr lang="en-US" dirty="0"/>
+              <a:rPr lang="en-US" dirty="0">
+                <a:hlinkClick r:id="rId3"/>
+              </a:rPr>
               <a:t>https://ultrapythonic.com/ttk-and-ttk-style/</a:t>
+            </a:r>
+            <a:endParaRPr lang="ru-RU" dirty="0"/>
+          </a:p>
+          <a:p>
+            <a:pPr algn="ctr"/>
+            <a:r>
+              <a:rPr lang="en-US" dirty="0">
+                <a:hlinkClick r:id="rId4"/>
+              </a:rPr>
+              <a:t>https://www.plus2net.com/python/tkinter.php</a:t>
+            </a:r>
+            <a:endParaRPr lang="ru-RU" dirty="0"/>
+          </a:p>
+          <a:p>
+            <a:pPr algn="ctr"/>
+            <a:r>
+              <a:rPr lang="en-US" dirty="0">
+                <a:hlinkClick r:id="rId5"/>
+              </a:rPr>
+              <a:t>https://metanit.com/python/tkinter/2.1.php</a:t>
+            </a:r>
+            <a:r>
+              <a:rPr lang="ru-RU" dirty="0"/>
+              <a:t> </a:t>
             </a:r>
           </a:p>
           <a:p>
             <a:pPr algn="ctr"/>
             <a:r>
-              <a:rPr lang="en-US" dirty="0"/>
-              <a:t>https://www.plus2net.com/python/tkinter.php</a:t>
+              <a:rPr lang="en-US" dirty="0">
+                <a:hlinkClick r:id="rId6"/>
+              </a:rPr>
+              <a:t>https://it.kgsu.ru/Python_Tk/oglav.html</a:t>
             </a:r>
+            <a:endParaRPr lang="ru-RU" dirty="0"/>
           </a:p>
           <a:p>
             <a:pPr algn="ctr"/>
-            <a:r>
-              <a:rPr lang="en-US" dirty="0"/>
-              <a:t>https://metanit.com/python/tkinter/2.1.php</a:t>
-            </a:r>
             <a:endParaRPr lang="ru-RU" dirty="0"/>
           </a:p>
         </p:txBody>
